--- a/resources/coding/coding_necessities_2.pptx
+++ b/resources/coding/coding_necessities_2.pptx
@@ -5,7 +5,7 @@
     <p:sldMasterId id="2147483794" r:id="rId1"/>
   </p:sldMasterIdLst>
   <p:notesMasterIdLst>
-    <p:notesMasterId r:id="rId15"/>
+    <p:notesMasterId r:id="rId16"/>
   </p:notesMasterIdLst>
   <p:sldIdLst>
     <p:sldId id="256" r:id="rId2"/>
@@ -13,14 +13,15 @@
     <p:sldId id="264" r:id="rId4"/>
     <p:sldId id="258" r:id="rId5"/>
     <p:sldId id="268" r:id="rId6"/>
-    <p:sldId id="267" r:id="rId7"/>
-    <p:sldId id="262" r:id="rId8"/>
-    <p:sldId id="263" r:id="rId9"/>
-    <p:sldId id="271" r:id="rId10"/>
-    <p:sldId id="272" r:id="rId11"/>
-    <p:sldId id="266" r:id="rId12"/>
-    <p:sldId id="269" r:id="rId13"/>
-    <p:sldId id="270" r:id="rId14"/>
+    <p:sldId id="276" r:id="rId7"/>
+    <p:sldId id="274" r:id="rId8"/>
+    <p:sldId id="275" r:id="rId9"/>
+    <p:sldId id="267" r:id="rId10"/>
+    <p:sldId id="262" r:id="rId11"/>
+    <p:sldId id="263" r:id="rId12"/>
+    <p:sldId id="271" r:id="rId13"/>
+    <p:sldId id="272" r:id="rId14"/>
+    <p:sldId id="273" r:id="rId15"/>
   </p:sldIdLst>
   <p:sldSz cx="12192000" cy="6858000"/>
   <p:notesSz cx="6858000" cy="9144000"/>
@@ -209,7 +210,7 @@
           <a:p>
             <a:fld id="{0FD15750-366B-4143-A945-D5AD9F361C98}" type="datetimeFigureOut">
               <a:rPr lang="en-US" smtClean="0"/>
-              <a:t>7/21/2020</a:t>
+              <a:t>7/23/2020</a:t>
             </a:fld>
             <a:endParaRPr lang="en-US"/>
           </a:p>
@@ -544,7 +545,7 @@
           <a:p>
             <a:fld id="{966FC651-3BCD-470A-A79B-EC05F86178B3}" type="slidenum">
               <a:rPr lang="en-US" smtClean="0"/>
-              <a:t>8</a:t>
+              <a:t>11</a:t>
             </a:fld>
             <a:endParaRPr lang="en-US"/>
           </a:p>
@@ -631,7 +632,7 @@
           <a:p>
             <a:fld id="{966FC651-3BCD-470A-A79B-EC05F86178B3}" type="slidenum">
               <a:rPr lang="en-US" smtClean="0"/>
-              <a:t>9</a:t>
+              <a:t>12</a:t>
             </a:fld>
             <a:endParaRPr lang="en-US"/>
           </a:p>
@@ -718,7 +719,7 @@
           <a:p>
             <a:fld id="{966FC651-3BCD-470A-A79B-EC05F86178B3}" type="slidenum">
               <a:rPr lang="en-US" smtClean="0"/>
-              <a:t>10</a:t>
+              <a:t>13</a:t>
             </a:fld>
             <a:endParaRPr lang="en-US"/>
           </a:p>
@@ -868,7 +869,7 @@
           <a:p>
             <a:fld id="{02AC24A9-CCB6-4F8D-B8DB-C2F3692CFA5A}" type="datetimeFigureOut">
               <a:rPr lang="en-US" smtClean="0"/>
-              <a:t>7/21/2020</a:t>
+              <a:t>7/23/2020</a:t>
             </a:fld>
             <a:endParaRPr lang="en-US" dirty="0"/>
           </a:p>
@@ -1043,7 +1044,7 @@
           <a:p>
             <a:fld id="{02AC24A9-CCB6-4F8D-B8DB-C2F3692CFA5A}" type="datetimeFigureOut">
               <a:rPr lang="en-US" smtClean="0"/>
-              <a:t>7/21/2020</a:t>
+              <a:t>7/23/2020</a:t>
             </a:fld>
             <a:endParaRPr lang="en-US"/>
           </a:p>
@@ -1223,7 +1224,7 @@
           <a:p>
             <a:fld id="{02AC24A9-CCB6-4F8D-B8DB-C2F3692CFA5A}" type="datetimeFigureOut">
               <a:rPr lang="en-US" smtClean="0"/>
-              <a:t>7/21/2020</a:t>
+              <a:t>7/23/2020</a:t>
             </a:fld>
             <a:endParaRPr lang="en-US"/>
           </a:p>
@@ -1398,7 +1399,7 @@
           <a:p>
             <a:fld id="{02AC24A9-CCB6-4F8D-B8DB-C2F3692CFA5A}" type="datetimeFigureOut">
               <a:rPr lang="en-US" smtClean="0"/>
-              <a:t>7/21/2020</a:t>
+              <a:t>7/23/2020</a:t>
             </a:fld>
             <a:endParaRPr lang="en-US"/>
           </a:p>
@@ -1644,7 +1645,7 @@
           <a:p>
             <a:fld id="{02AC24A9-CCB6-4F8D-B8DB-C2F3692CFA5A}" type="datetimeFigureOut">
               <a:rPr lang="en-US" smtClean="0"/>
-              <a:t>7/21/2020</a:t>
+              <a:t>7/23/2020</a:t>
             </a:fld>
             <a:endParaRPr lang="en-US"/>
           </a:p>
@@ -1881,7 +1882,7 @@
           <a:p>
             <a:fld id="{02AC24A9-CCB6-4F8D-B8DB-C2F3692CFA5A}" type="datetimeFigureOut">
               <a:rPr lang="en-US" smtClean="0"/>
-              <a:t>7/21/2020</a:t>
+              <a:t>7/23/2020</a:t>
             </a:fld>
             <a:endParaRPr lang="en-US"/>
           </a:p>
@@ -2248,7 +2249,7 @@
           <a:p>
             <a:fld id="{02AC24A9-CCB6-4F8D-B8DB-C2F3692CFA5A}" type="datetimeFigureOut">
               <a:rPr lang="en-US" smtClean="0"/>
-              <a:t>7/21/2020</a:t>
+              <a:t>7/23/2020</a:t>
             </a:fld>
             <a:endParaRPr lang="en-US"/>
           </a:p>
@@ -2366,7 +2367,7 @@
           <a:p>
             <a:fld id="{02AC24A9-CCB6-4F8D-B8DB-C2F3692CFA5A}" type="datetimeFigureOut">
               <a:rPr lang="en-US" smtClean="0"/>
-              <a:t>7/21/2020</a:t>
+              <a:t>7/23/2020</a:t>
             </a:fld>
             <a:endParaRPr lang="en-US"/>
           </a:p>
@@ -2461,7 +2462,7 @@
           <a:p>
             <a:fld id="{02AC24A9-CCB6-4F8D-B8DB-C2F3692CFA5A}" type="datetimeFigureOut">
               <a:rPr lang="en-US" smtClean="0"/>
-              <a:t>7/21/2020</a:t>
+              <a:t>7/23/2020</a:t>
             </a:fld>
             <a:endParaRPr lang="en-US"/>
           </a:p>
@@ -2738,7 +2739,7 @@
           <a:p>
             <a:fld id="{02AC24A9-CCB6-4F8D-B8DB-C2F3692CFA5A}" type="datetimeFigureOut">
               <a:rPr lang="en-US" smtClean="0"/>
-              <a:t>7/21/2020</a:t>
+              <a:t>7/23/2020</a:t>
             </a:fld>
             <a:endParaRPr lang="en-US" dirty="0"/>
           </a:p>
@@ -2995,7 +2996,7 @@
           <a:p>
             <a:fld id="{02AC24A9-CCB6-4F8D-B8DB-C2F3692CFA5A}" type="datetimeFigureOut">
               <a:rPr lang="en-US" smtClean="0"/>
-              <a:t>7/21/2020</a:t>
+              <a:t>7/23/2020</a:t>
             </a:fld>
             <a:endParaRPr lang="en-US"/>
           </a:p>
@@ -3208,7 +3209,7 @@
           <a:p>
             <a:fld id="{02AC24A9-CCB6-4F8D-B8DB-C2F3692CFA5A}" type="datetimeFigureOut">
               <a:rPr lang="en-US" smtClean="0"/>
-              <a:t>7/21/2020</a:t>
+              <a:t>7/23/2020</a:t>
             </a:fld>
             <a:endParaRPr lang="en-US"/>
           </a:p>
@@ -3628,87 +3629,51 @@
       </p:grpSpPr>
       <p:pic>
         <p:nvPicPr>
-          <p:cNvPr id="4" name="Picture 3" descr="A picture containing large&#10;&#10;Description automatically generated">
+          <p:cNvPr id="5124" name="Picture 4" descr="Making genomic data come alive with circos plots | by Maria ...">
             <a:extLst>
               <a:ext uri="{FF2B5EF4-FFF2-40B4-BE49-F238E27FC236}">
-                <a16:creationId xmlns:a16="http://schemas.microsoft.com/office/drawing/2014/main" id="{4C1C4457-3CA8-4AE1-B186-0130DE1FD968}"/>
+                <a16:creationId xmlns:a16="http://schemas.microsoft.com/office/drawing/2014/main" id="{42263FB8-8B0A-4E51-8A6A-DF864EBC03DA}"/>
               </a:ext>
             </a:extLst>
           </p:cNvPr>
           <p:cNvPicPr>
-            <a:picLocks noChangeAspect="1"/>
+            <a:picLocks noChangeAspect="1" noChangeArrowheads="1"/>
           </p:cNvPicPr>
           <p:nvPr/>
         </p:nvPicPr>
-        <p:blipFill rotWithShape="1">
-          <a:blip r:embed="rId2"/>
-          <a:srcRect t="8307" b="4145"/>
-          <a:stretch/>
+        <p:blipFill>
+          <a:blip r:embed="rId2">
+            <a:extLst>
+              <a:ext uri="{28A0092B-C50C-407E-A947-70E740481C1C}">
+                <a14:useLocalDpi xmlns:a14="http://schemas.microsoft.com/office/drawing/2010/main" val="0"/>
+              </a:ext>
+            </a:extLst>
+          </a:blip>
+          <a:srcRect/>
+          <a:stretch>
+            <a:fillRect/>
+          </a:stretch>
         </p:blipFill>
-        <p:spPr>
+        <p:spPr bwMode="auto">
           <a:xfrm>
-            <a:off x="20" y="10"/>
-            <a:ext cx="12191980" cy="6857990"/>
+            <a:off x="5334000" y="0"/>
+            <a:ext cx="6858000" cy="6858000"/>
           </a:xfrm>
           <a:prstGeom prst="rect">
             <a:avLst/>
           </a:prstGeom>
+          <a:noFill/>
+          <a:extLst>
+            <a:ext uri="{909E8E84-426E-40DD-AFC4-6F175D3DCCD1}">
+              <a14:hiddenFill xmlns:a14="http://schemas.microsoft.com/office/drawing/2010/main">
+                <a:solidFill>
+                  <a:srgbClr val="FFFFFF"/>
+                </a:solidFill>
+              </a14:hiddenFill>
+            </a:ext>
+          </a:extLst>
         </p:spPr>
       </p:pic>
-      <p:sp>
-        <p:nvSpPr>
-          <p:cNvPr id="33" name="Oval 32">
-            <a:extLst>
-              <a:ext uri="{FF2B5EF4-FFF2-40B4-BE49-F238E27FC236}">
-                <a16:creationId xmlns:a16="http://schemas.microsoft.com/office/drawing/2014/main" id="{A42D8ECD-6F68-49C1-9ABE-A975E50F3963}"/>
-              </a:ext>
-            </a:extLst>
-          </p:cNvPr>
-          <p:cNvSpPr/>
-          <p:nvPr/>
-        </p:nvSpPr>
-        <p:spPr>
-          <a:xfrm>
-            <a:off x="1179443" y="1169505"/>
-            <a:ext cx="4147931" cy="4224130"/>
-          </a:xfrm>
-          <a:prstGeom prst="ellipse">
-            <a:avLst/>
-          </a:prstGeom>
-          <a:solidFill>
-            <a:schemeClr val="bg1"/>
-          </a:solidFill>
-          <a:ln w="38100">
-            <a:solidFill>
-              <a:schemeClr val="bg1"/>
-            </a:solidFill>
-          </a:ln>
-        </p:spPr>
-        <p:style>
-          <a:lnRef idx="2">
-            <a:schemeClr val="accent1">
-              <a:shade val="50000"/>
-            </a:schemeClr>
-          </a:lnRef>
-          <a:fillRef idx="1">
-            <a:schemeClr val="accent1"/>
-          </a:fillRef>
-          <a:effectRef idx="0">
-            <a:schemeClr val="accent1"/>
-          </a:effectRef>
-          <a:fontRef idx="minor">
-            <a:schemeClr val="lt1"/>
-          </a:fontRef>
-        </p:style>
-        <p:txBody>
-          <a:bodyPr rtlCol="0" anchor="ctr"/>
-          <a:lstStyle/>
-          <a:p>
-            <a:pPr algn="ctr"/>
-            <a:endParaRPr lang="en-US"/>
-          </a:p>
-        </p:txBody>
-      </p:sp>
       <p:sp>
         <p:nvSpPr>
           <p:cNvPr id="34" name="TextBox 33">
@@ -3723,7 +3688,7 @@
         </p:nvSpPr>
         <p:spPr>
           <a:xfrm>
-            <a:off x="1749286" y="1859340"/>
+            <a:off x="1198116" y="1444360"/>
             <a:ext cx="3008244" cy="1569660"/>
           </a:xfrm>
           <a:prstGeom prst="rect">
@@ -3759,7 +3724,7 @@
         </p:nvSpPr>
         <p:spPr>
           <a:xfrm>
-            <a:off x="2120347" y="3699517"/>
+            <a:off x="1569177" y="3118607"/>
             <a:ext cx="2266122" cy="923330"/>
           </a:xfrm>
           <a:prstGeom prst="rect">
@@ -3785,6 +3750,60 @@
               <a:rPr lang="en-US" dirty="0"/>
               <a:t>MARC Summer Program</a:t>
             </a:r>
+          </a:p>
+        </p:txBody>
+      </p:sp>
+      <p:sp>
+        <p:nvSpPr>
+          <p:cNvPr id="9" name="TextBox 8">
+            <a:extLst>
+              <a:ext uri="{FF2B5EF4-FFF2-40B4-BE49-F238E27FC236}">
+                <a16:creationId xmlns:a16="http://schemas.microsoft.com/office/drawing/2014/main" id="{7228FE35-88D2-4960-9ED0-39E0856D449A}"/>
+              </a:ext>
+            </a:extLst>
+          </p:cNvPr>
+          <p:cNvSpPr txBox="1"/>
+          <p:nvPr/>
+        </p:nvSpPr>
+        <p:spPr>
+          <a:xfrm>
+            <a:off x="6974950" y="6428289"/>
+            <a:ext cx="3576099" cy="246221"/>
+          </a:xfrm>
+          <a:prstGeom prst="rect">
+            <a:avLst/>
+          </a:prstGeom>
+          <a:noFill/>
+        </p:spPr>
+        <p:txBody>
+          <a:bodyPr wrap="square">
+            <a:spAutoFit/>
+          </a:bodyPr>
+          <a:lstStyle/>
+          <a:p>
+            <a:pPr algn="ctr"/>
+            <a:r>
+              <a:rPr lang="en-US" sz="1000" b="0" i="0" dirty="0">
+                <a:effectLst/>
+                <a:latin typeface="medium-content-sans-serif-font"/>
+              </a:rPr>
+              <a:t>A </a:t>
+            </a:r>
+            <a:r>
+              <a:rPr lang="en-US" sz="1000" b="0" i="0" dirty="0" err="1">
+                <a:effectLst/>
+                <a:latin typeface="medium-content-sans-serif-font"/>
+              </a:rPr>
+              <a:t>circos</a:t>
+            </a:r>
+            <a:r>
+              <a:rPr lang="en-US" sz="1000" b="0" i="0" dirty="0">
+                <a:effectLst/>
+                <a:latin typeface="medium-content-sans-serif-font"/>
+              </a:rPr>
+              <a:t> plot of structural variations in a breast cancer cell line. </a:t>
+            </a:r>
+            <a:endParaRPr lang="en-US" sz="1000" dirty="0"/>
           </a:p>
         </p:txBody>
       </p:sp>
@@ -3823,7 +3842,7 @@
           <p:cNvPr id="2" name="Title 1">
             <a:extLst>
               <a:ext uri="{FF2B5EF4-FFF2-40B4-BE49-F238E27FC236}">
-                <a16:creationId xmlns:a16="http://schemas.microsoft.com/office/drawing/2014/main" id="{16E00F25-D033-4227-8EC4-9636F1A4E05D}"/>
+                <a16:creationId xmlns:a16="http://schemas.microsoft.com/office/drawing/2014/main" id="{E4CF6208-78BE-4FF0-8C83-4D398566A472}"/>
               </a:ext>
             </a:extLst>
           </p:cNvPr>
@@ -3841,7 +3860,7 @@
           <a:p>
             <a:r>
               <a:rPr lang="en-US" dirty="0"/>
-              <a:t>To do</a:t>
+              <a:t>What are we doing?</a:t>
             </a:r>
           </a:p>
         </p:txBody>
@@ -3851,7 +3870,7 @@
           <p:cNvPr id="3" name="Content Placeholder 2">
             <a:extLst>
               <a:ext uri="{FF2B5EF4-FFF2-40B4-BE49-F238E27FC236}">
-                <a16:creationId xmlns:a16="http://schemas.microsoft.com/office/drawing/2014/main" id="{0D701621-9BDE-44E0-9F2E-B3219A57FC22}"/>
+                <a16:creationId xmlns:a16="http://schemas.microsoft.com/office/drawing/2014/main" id="{158FCDBE-50C2-48F0-8501-AF276996D3C3}"/>
               </a:ext>
             </a:extLst>
           </p:cNvPr>
@@ -3867,51 +3886,58 @@
           <a:bodyPr/>
           <a:lstStyle/>
           <a:p>
+            <a:pPr>
+              <a:lnSpc>
+                <a:spcPct val="150000"/>
+              </a:lnSpc>
+            </a:pPr>
+            <a:r>
+              <a:rPr lang="en-US" dirty="0"/>
+              <a:t>We are going to work together side by side</a:t>
+            </a:r>
+          </a:p>
+          <a:p>
+            <a:pPr>
+              <a:lnSpc>
+                <a:spcPct val="150000"/>
+              </a:lnSpc>
+            </a:pPr>
+            <a:r>
+              <a:rPr lang="en-US" dirty="0"/>
+              <a:t>Launch this: </a:t>
+            </a:r>
             <a:r>
               <a:rPr lang="en-US" dirty="0">
-                <a:solidFill>
-                  <a:schemeClr val="bg1">
-                    <a:lumMod val="65000"/>
-                    <a:lumOff val="35000"/>
-                  </a:schemeClr>
-                </a:solidFill>
+                <a:hlinkClick r:id="rId2"/>
               </a:rPr>
-              <a:t>Do we want to go into Genome Assembly or work with R?</a:t>
-            </a:r>
-          </a:p>
-          <a:p>
+              <a:t>https://mybinder.org/v2/gh/AstrobioMike/binder-unix-intro/master?urlpath=lab</a:t>
+            </a:r>
+            <a:endParaRPr lang="en-US" dirty="0"/>
+          </a:p>
+          <a:p>
+            <a:pPr>
+              <a:lnSpc>
+                <a:spcPct val="150000"/>
+              </a:lnSpc>
+            </a:pPr>
             <a:r>
               <a:rPr lang="en-US" dirty="0"/>
-              <a:t>Exercises to assist in command-line comfortability</a:t>
-            </a:r>
-          </a:p>
-          <a:p>
-            <a:pPr lvl="1"/>
-            <a:r>
-              <a:rPr lang="en-US" dirty="0"/>
-              <a:t>Exercise 1: Make directories and download data</a:t>
-            </a:r>
-          </a:p>
-          <a:p>
-            <a:pPr lvl="1"/>
-            <a:r>
-              <a:rPr lang="en-US" dirty="0"/>
-              <a:t>Exercise 2: Edit files and manipulate them</a:t>
-            </a:r>
-          </a:p>
-          <a:p>
-            <a:pPr lvl="1"/>
-            <a:r>
-              <a:rPr lang="en-US" dirty="0"/>
-              <a:t>Exercise 3: </a:t>
-            </a:r>
+              <a:t>Open this: </a:t>
+            </a:r>
+            <a:r>
+              <a:rPr lang="en-US" dirty="0">
+                <a:hlinkClick r:id="rId3"/>
+              </a:rPr>
+              <a:t>https://astrobiomike.github.io/unix/working-with-files-and-dirs</a:t>
+            </a:r>
+            <a:endParaRPr lang="en-US" dirty="0"/>
           </a:p>
         </p:txBody>
       </p:sp>
     </p:spTree>
     <p:extLst>
       <p:ext uri="{BB962C8B-B14F-4D97-AF65-F5344CB8AC3E}">
-        <p14:creationId xmlns:p14="http://schemas.microsoft.com/office/powerpoint/2010/main" val="1513394147"/>
+        <p14:creationId xmlns:p14="http://schemas.microsoft.com/office/powerpoint/2010/main" val="3712642143"/>
       </p:ext>
     </p:extLst>
   </p:cSld>
@@ -3961,7 +3987,7 @@
           <a:p>
             <a:r>
               <a:rPr lang="en-US" dirty="0"/>
-              <a:t>Exercise 1</a:t>
+              <a:t>Reflection</a:t>
             </a:r>
           </a:p>
         </p:txBody>
@@ -3987,14 +4013,23 @@
           <a:bodyPr/>
           <a:lstStyle/>
           <a:p>
-            <a:endParaRPr lang="en-US" dirty="0"/>
+            <a:r>
+              <a:rPr lang="en-US" dirty="0"/>
+              <a:t>What was the easiest concept today? Why?</a:t>
+            </a:r>
+          </a:p>
+          <a:p>
+            <a:r>
+              <a:rPr lang="en-US" dirty="0"/>
+              <a:t>What was the most difficult? Why?</a:t>
+            </a:r>
           </a:p>
         </p:txBody>
       </p:sp>
     </p:spTree>
     <p:extLst>
       <p:ext uri="{BB962C8B-B14F-4D97-AF65-F5344CB8AC3E}">
-        <p14:creationId xmlns:p14="http://schemas.microsoft.com/office/powerpoint/2010/main" val="2961117960"/>
+        <p14:creationId xmlns:p14="http://schemas.microsoft.com/office/powerpoint/2010/main" val="2355160211"/>
       </p:ext>
     </p:extLst>
   </p:cSld>
@@ -4044,7 +4079,7 @@
           <a:p>
             <a:r>
               <a:rPr lang="en-US" dirty="0"/>
-              <a:t>Exercise 2</a:t>
+              <a:t>To do</a:t>
             </a:r>
           </a:p>
         </p:txBody>
@@ -4070,14 +4105,17 @@
           <a:bodyPr/>
           <a:lstStyle/>
           <a:p>
-            <a:endParaRPr lang="en-US" dirty="0"/>
+            <a:r>
+              <a:rPr lang="en-US" dirty="0"/>
+              <a:t>Do we want to go into Genome Assembly or work with R?</a:t>
+            </a:r>
           </a:p>
         </p:txBody>
       </p:sp>
     </p:spTree>
     <p:extLst>
       <p:ext uri="{BB962C8B-B14F-4D97-AF65-F5344CB8AC3E}">
-        <p14:creationId xmlns:p14="http://schemas.microsoft.com/office/powerpoint/2010/main" val="2314026500"/>
+        <p14:creationId xmlns:p14="http://schemas.microsoft.com/office/powerpoint/2010/main" val="1431333372"/>
       </p:ext>
     </p:extLst>
   </p:cSld>
@@ -4127,7 +4165,7 @@
           <a:p>
             <a:r>
               <a:rPr lang="en-US" dirty="0"/>
-              <a:t>Exercise 3</a:t>
+              <a:t>To do</a:t>
             </a:r>
           </a:p>
         </p:txBody>
@@ -4153,14 +4191,302 @@
           <a:bodyPr/>
           <a:lstStyle/>
           <a:p>
-            <a:endParaRPr lang="en-US" dirty="0"/>
+            <a:r>
+              <a:rPr lang="en-US" dirty="0">
+                <a:solidFill>
+                  <a:schemeClr val="bg1">
+                    <a:lumMod val="65000"/>
+                    <a:lumOff val="35000"/>
+                  </a:schemeClr>
+                </a:solidFill>
+              </a:rPr>
+              <a:t>Do we want to go into Genome Assembly or work with R?</a:t>
+            </a:r>
+          </a:p>
+          <a:p>
+            <a:r>
+              <a:rPr lang="en-US" dirty="0"/>
+              <a:t>Exercises to assist in command-line comfortability</a:t>
+            </a:r>
           </a:p>
         </p:txBody>
       </p:sp>
     </p:spTree>
     <p:extLst>
       <p:ext uri="{BB962C8B-B14F-4D97-AF65-F5344CB8AC3E}">
-        <p14:creationId xmlns:p14="http://schemas.microsoft.com/office/powerpoint/2010/main" val="806128485"/>
+        <p14:creationId xmlns:p14="http://schemas.microsoft.com/office/powerpoint/2010/main" val="1513394147"/>
+      </p:ext>
+    </p:extLst>
+  </p:cSld>
+  <p:clrMapOvr>
+    <a:masterClrMapping/>
+  </p:clrMapOvr>
+</p:sld>
+</file>
+
+<file path=ppt/slides/slide14.xml><?xml version="1.0" encoding="utf-8"?>
+<p:sld xmlns:a="http://schemas.openxmlformats.org/drawingml/2006/main" xmlns:r="http://schemas.openxmlformats.org/officeDocument/2006/relationships" xmlns:p="http://schemas.openxmlformats.org/presentationml/2006/main" show="0">
+  <p:cSld>
+    <p:bg>
+      <p:bgPr>
+        <a:solidFill>
+          <a:schemeClr val="bg1"/>
+        </a:solidFill>
+        <a:effectLst/>
+      </p:bgPr>
+    </p:bg>
+    <p:spTree>
+      <p:nvGrpSpPr>
+        <p:cNvPr id="1" name=""/>
+        <p:cNvGrpSpPr/>
+        <p:nvPr/>
+      </p:nvGrpSpPr>
+      <p:grpSpPr>
+        <a:xfrm>
+          <a:off x="0" y="0"/>
+          <a:ext cx="0" cy="0"/>
+          <a:chOff x="0" y="0"/>
+          <a:chExt cx="0" cy="0"/>
+        </a:xfrm>
+      </p:grpSpPr>
+      <p:sp useBgFill="1">
+        <p:nvSpPr>
+          <p:cNvPr id="77" name="Rectangle 76">
+            <a:extLst>
+              <a:ext uri="{FF2B5EF4-FFF2-40B4-BE49-F238E27FC236}">
+                <a16:creationId xmlns:a16="http://schemas.microsoft.com/office/drawing/2014/main" id="{70155189-D96C-4527-B0EC-654B946BE615}"/>
+              </a:ext>
+              <a:ext uri="{C183D7F6-B498-43B3-948B-1728B52AA6E4}">
+                <adec:decorative xmlns:adec="http://schemas.microsoft.com/office/drawing/2017/decorative" val="1"/>
+              </a:ext>
+            </a:extLst>
+          </p:cNvPr>
+          <p:cNvSpPr>
+            <a:spLocks noGrp="1" noRot="1" noChangeAspect="1" noMove="1" noResize="1" noEditPoints="1" noAdjustHandles="1" noChangeArrowheads="1" noChangeShapeType="1" noTextEdit="1"/>
+          </p:cNvSpPr>
+          <p:nvPr>
+            <p:extLst>
+              <p:ext uri="{386F3935-93C4-4BCD-93E2-E3B085C9AB24}">
+                <p16:designElem xmlns:p16="http://schemas.microsoft.com/office/powerpoint/2015/main" val="1"/>
+              </p:ext>
+            </p:extLst>
+          </p:nvPr>
+        </p:nvSpPr>
+        <p:spPr>
+          <a:xfrm>
+            <a:off x="-1" y="0"/>
+            <a:ext cx="12188952" cy="6858000"/>
+          </a:xfrm>
+          <a:prstGeom prst="rect">
+            <a:avLst/>
+          </a:prstGeom>
+          <a:ln>
+            <a:noFill/>
+          </a:ln>
+        </p:spPr>
+        <p:style>
+          <a:lnRef idx="2">
+            <a:schemeClr val="accent1">
+              <a:shade val="50000"/>
+            </a:schemeClr>
+          </a:lnRef>
+          <a:fillRef idx="1">
+            <a:schemeClr val="accent1"/>
+          </a:fillRef>
+          <a:effectRef idx="0">
+            <a:schemeClr val="accent1"/>
+          </a:effectRef>
+          <a:fontRef idx="minor">
+            <a:schemeClr val="lt1"/>
+          </a:fontRef>
+        </p:style>
+        <p:txBody>
+          <a:bodyPr rtlCol="0" anchor="ctr"/>
+          <a:lstStyle/>
+          <a:p>
+            <a:pPr algn="ctr"/>
+            <a:endParaRPr lang="en-US"/>
+          </a:p>
+        </p:txBody>
+      </p:sp>
+      <p:sp>
+        <p:nvSpPr>
+          <p:cNvPr id="2" name="Title 1">
+            <a:extLst>
+              <a:ext uri="{FF2B5EF4-FFF2-40B4-BE49-F238E27FC236}">
+                <a16:creationId xmlns:a16="http://schemas.microsoft.com/office/drawing/2014/main" id="{19C4357E-0E30-484A-A57E-40CFEED5DFE3}"/>
+              </a:ext>
+            </a:extLst>
+          </p:cNvPr>
+          <p:cNvSpPr>
+            <a:spLocks noGrp="1"/>
+          </p:cNvSpPr>
+          <p:nvPr>
+            <p:ph type="title"/>
+          </p:nvPr>
+        </p:nvSpPr>
+        <p:spPr>
+          <a:xfrm>
+            <a:off x="1196656" y="0"/>
+            <a:ext cx="9795637" cy="1104857"/>
+          </a:xfrm>
+        </p:spPr>
+        <p:txBody>
+          <a:bodyPr vert="horz" lIns="91440" tIns="45720" rIns="91440" bIns="45720" rtlCol="0" anchor="b">
+            <a:normAutofit/>
+          </a:bodyPr>
+          <a:lstStyle/>
+          <a:p>
+            <a:pPr algn="ctr"/>
+            <a:r>
+              <a:rPr lang="en-US" sz="5200" dirty="0"/>
+              <a:t>How do we view DNA sequences?</a:t>
+            </a:r>
+          </a:p>
+        </p:txBody>
+      </p:sp>
+      <p:pic>
+        <p:nvPicPr>
+          <p:cNvPr id="1026" name="Picture 2" descr="DNA sequencing - Wikipedia">
+            <a:extLst>
+              <a:ext uri="{FF2B5EF4-FFF2-40B4-BE49-F238E27FC236}">
+                <a16:creationId xmlns:a16="http://schemas.microsoft.com/office/drawing/2014/main" id="{F90B179A-3F0D-4A2B-895E-625AFDABD1CF}"/>
+              </a:ext>
+            </a:extLst>
+          </p:cNvPr>
+          <p:cNvPicPr>
+            <a:picLocks noChangeAspect="1" noChangeArrowheads="1"/>
+          </p:cNvPicPr>
+          <p:nvPr/>
+        </p:nvPicPr>
+        <p:blipFill>
+          <a:blip r:embed="rId2">
+            <a:extLst>
+              <a:ext uri="{28A0092B-C50C-407E-A947-70E740481C1C}">
+                <a14:useLocalDpi xmlns:a14="http://schemas.microsoft.com/office/drawing/2010/main" val="0"/>
+              </a:ext>
+            </a:extLst>
+          </a:blip>
+          <a:stretch>
+            <a:fillRect/>
+          </a:stretch>
+        </p:blipFill>
+        <p:spPr bwMode="auto">
+          <a:xfrm>
+            <a:off x="937372" y="1313547"/>
+            <a:ext cx="3662764" cy="5211115"/>
+          </a:xfrm>
+          <a:prstGeom prst="rect">
+            <a:avLst/>
+          </a:prstGeom>
+          <a:noFill/>
+          <a:extLst>
+            <a:ext uri="{909E8E84-426E-40DD-AFC4-6F175D3DCCD1}">
+              <a14:hiddenFill xmlns:a14="http://schemas.microsoft.com/office/drawing/2010/main">
+                <a:solidFill>
+                  <a:srgbClr val="FFFFFF"/>
+                </a:solidFill>
+              </a14:hiddenFill>
+            </a:ext>
+          </a:extLst>
+        </p:spPr>
+      </p:pic>
+      <p:pic>
+        <p:nvPicPr>
+          <p:cNvPr id="1032" name="Picture 8" descr="Microarray Analysis Market Analysis, Size, Scope, Stake, Progress ...">
+            <a:extLst>
+              <a:ext uri="{FF2B5EF4-FFF2-40B4-BE49-F238E27FC236}">
+                <a16:creationId xmlns:a16="http://schemas.microsoft.com/office/drawing/2014/main" id="{BD43579A-5836-41EE-9C05-DD70E3956033}"/>
+              </a:ext>
+            </a:extLst>
+          </p:cNvPr>
+          <p:cNvPicPr>
+            <a:picLocks noChangeAspect="1" noChangeArrowheads="1"/>
+          </p:cNvPicPr>
+          <p:nvPr/>
+        </p:nvPicPr>
+        <p:blipFill>
+          <a:blip r:embed="rId3">
+            <a:extLst>
+              <a:ext uri="{28A0092B-C50C-407E-A947-70E740481C1C}">
+                <a14:useLocalDpi xmlns:a14="http://schemas.microsoft.com/office/drawing/2010/main" val="0"/>
+              </a:ext>
+            </a:extLst>
+          </a:blip>
+          <a:stretch>
+            <a:fillRect/>
+          </a:stretch>
+        </p:blipFill>
+        <p:spPr bwMode="auto">
+          <a:xfrm>
+            <a:off x="5523903" y="3829679"/>
+            <a:ext cx="5148567" cy="2785289"/>
+          </a:xfrm>
+          <a:prstGeom prst="rect">
+            <a:avLst/>
+          </a:prstGeom>
+          <a:noFill/>
+          <a:extLst>
+            <a:ext uri="{909E8E84-426E-40DD-AFC4-6F175D3DCCD1}">
+              <a14:hiddenFill xmlns:a14="http://schemas.microsoft.com/office/drawing/2010/main">
+                <a:solidFill>
+                  <a:srgbClr val="FFFFFF"/>
+                </a:solidFill>
+              </a14:hiddenFill>
+            </a:ext>
+          </a:extLst>
+        </p:spPr>
+      </p:pic>
+      <p:pic>
+        <p:nvPicPr>
+          <p:cNvPr id="1028" name="Picture 4">
+            <a:extLst>
+              <a:ext uri="{FF2B5EF4-FFF2-40B4-BE49-F238E27FC236}">
+                <a16:creationId xmlns:a16="http://schemas.microsoft.com/office/drawing/2014/main" id="{8544C271-B8DA-47D2-80C9-7012A66CFBC6}"/>
+              </a:ext>
+            </a:extLst>
+          </p:cNvPr>
+          <p:cNvPicPr>
+            <a:picLocks noChangeAspect="1" noChangeArrowheads="1"/>
+          </p:cNvPicPr>
+          <p:nvPr/>
+        </p:nvPicPr>
+        <p:blipFill>
+          <a:blip r:embed="rId4">
+            <a:extLst>
+              <a:ext uri="{28A0092B-C50C-407E-A947-70E740481C1C}">
+                <a14:useLocalDpi xmlns:a14="http://schemas.microsoft.com/office/drawing/2010/main" val="0"/>
+              </a:ext>
+            </a:extLst>
+          </a:blip>
+          <a:stretch>
+            <a:fillRect/>
+          </a:stretch>
+        </p:blipFill>
+        <p:spPr bwMode="auto">
+          <a:xfrm>
+            <a:off x="5523903" y="1313547"/>
+            <a:ext cx="5108093" cy="2273101"/>
+          </a:xfrm>
+          <a:prstGeom prst="rect">
+            <a:avLst/>
+          </a:prstGeom>
+          <a:noFill/>
+          <a:extLst>
+            <a:ext uri="{909E8E84-426E-40DD-AFC4-6F175D3DCCD1}">
+              <a14:hiddenFill xmlns:a14="http://schemas.microsoft.com/office/drawing/2010/main">
+                <a:solidFill>
+                  <a:srgbClr val="FFFFFF"/>
+                </a:solidFill>
+              </a14:hiddenFill>
+            </a:ext>
+          </a:extLst>
+        </p:spPr>
+      </p:pic>
+    </p:spTree>
+    <p:extLst>
+      <p:ext uri="{BB962C8B-B14F-4D97-AF65-F5344CB8AC3E}">
+        <p14:creationId xmlns:p14="http://schemas.microsoft.com/office/powerpoint/2010/main" val="4014095711"/>
       </p:ext>
     </p:extLst>
   </p:cSld>
@@ -4233,7 +4559,9 @@
         </p:nvSpPr>
         <p:spPr/>
         <p:txBody>
-          <a:bodyPr/>
+          <a:bodyPr>
+            <a:normAutofit fontScale="92500" lnSpcReduction="10000"/>
+          </a:bodyPr>
           <a:lstStyle/>
           <a:p>
             <a:pPr>
@@ -4243,7 +4571,7 @@
             </a:pPr>
             <a:r>
               <a:rPr lang="en-US" dirty="0"/>
-              <a:t>500 – 525 pm Check-in</a:t>
+              <a:t>500 – 520 pm Check-in</a:t>
             </a:r>
           </a:p>
           <a:p>
@@ -4254,7 +4582,7 @@
             </a:pPr>
             <a:r>
               <a:rPr lang="en-US" dirty="0"/>
-              <a:t>525 – 530 pm Warm up</a:t>
+              <a:t>520 – 525 pm How do we see DNA?</a:t>
             </a:r>
           </a:p>
           <a:p>
@@ -4265,27 +4593,7 @@
             </a:pPr>
             <a:r>
               <a:rPr lang="en-US" dirty="0"/>
-              <a:t>530 – 615 pm Happy Belly Bioinformatics  lesson </a:t>
-            </a:r>
-            <a:r>
-              <a:rPr lang="en-US" dirty="0">
-                <a:hlinkClick r:id="rId2"/>
-              </a:rPr>
-              <a:t>2</a:t>
-            </a:r>
-            <a:r>
-              <a:rPr lang="en-US" dirty="0"/>
-              <a:t>/</a:t>
-            </a:r>
-            <a:r>
-              <a:rPr lang="en-US" dirty="0">
-                <a:hlinkClick r:id="rId3"/>
-              </a:rPr>
-              <a:t>3</a:t>
-            </a:r>
-            <a:r>
-              <a:rPr lang="en-US" dirty="0"/>
-              <a:t> workflow</a:t>
+              <a:t>525 – 530 pm Coding warm up</a:t>
             </a:r>
           </a:p>
           <a:p>
@@ -4296,7 +4604,38 @@
             </a:pPr>
             <a:r>
               <a:rPr lang="en-US" dirty="0"/>
-              <a:t>615 – 630 pm Reflection and Exercises to work</a:t>
+              <a:t>530 – 615 pm Happy Belly Bioinformatics  lesson </a:t>
+            </a:r>
+            <a:r>
+              <a:rPr lang="en-US" dirty="0">
+                <a:hlinkClick r:id="rId2"/>
+              </a:rPr>
+              <a:t>2</a:t>
+            </a:r>
+            <a:r>
+              <a:rPr lang="en-US" dirty="0"/>
+              <a:t>/</a:t>
+            </a:r>
+            <a:r>
+              <a:rPr lang="en-US" dirty="0">
+                <a:hlinkClick r:id="rId3"/>
+              </a:rPr>
+              <a:t>3</a:t>
+            </a:r>
+            <a:r>
+              <a:rPr lang="en-US" dirty="0"/>
+              <a:t> workflow</a:t>
+            </a:r>
+          </a:p>
+          <a:p>
+            <a:pPr>
+              <a:lnSpc>
+                <a:spcPct val="200000"/>
+              </a:lnSpc>
+            </a:pPr>
+            <a:r>
+              <a:rPr lang="en-US" dirty="0"/>
+              <a:t>615 – 630 pm Reflection and To do</a:t>
             </a:r>
           </a:p>
         </p:txBody>
@@ -4615,6 +4954,20 @@
               <a:t>Did anyone try to join the BVCN slack group?</a:t>
             </a:r>
           </a:p>
+          <a:p>
+            <a:r>
+              <a:rPr lang="en-US" dirty="0"/>
+              <a:t>SACNAS abstract deadline extended to August 6</a:t>
+            </a:r>
+            <a:r>
+              <a:rPr lang="en-US" baseline="30000" dirty="0"/>
+              <a:t>th</a:t>
+            </a:r>
+            <a:endParaRPr lang="en-US" dirty="0"/>
+          </a:p>
+          <a:p>
+            <a:endParaRPr lang="en-US" dirty="0"/>
+          </a:p>
         </p:txBody>
       </p:sp>
     </p:spTree>
@@ -4633,6 +4986,14 @@
 <file path=ppt/slides/slide6.xml><?xml version="1.0" encoding="utf-8"?>
 <p:sld xmlns:a="http://schemas.openxmlformats.org/drawingml/2006/main" xmlns:r="http://schemas.openxmlformats.org/officeDocument/2006/relationships" xmlns:p="http://schemas.openxmlformats.org/presentationml/2006/main">
   <p:cSld>
+    <p:bg>
+      <p:bgPr>
+        <a:solidFill>
+          <a:schemeClr val="bg1"/>
+        </a:solidFill>
+        <a:effectLst/>
+      </p:bgPr>
+    </p:bg>
     <p:spTree>
       <p:nvGrpSpPr>
         <p:cNvPr id="1" name=""/>
@@ -4647,6 +5008,66 @@
           <a:chExt cx="0" cy="0"/>
         </a:xfrm>
       </p:grpSpPr>
+      <p:sp useBgFill="1">
+        <p:nvSpPr>
+          <p:cNvPr id="77" name="Rectangle 76">
+            <a:extLst>
+              <a:ext uri="{FF2B5EF4-FFF2-40B4-BE49-F238E27FC236}">
+                <a16:creationId xmlns:a16="http://schemas.microsoft.com/office/drawing/2014/main" id="{70155189-D96C-4527-B0EC-654B946BE615}"/>
+              </a:ext>
+              <a:ext uri="{C183D7F6-B498-43B3-948B-1728B52AA6E4}">
+                <adec:decorative xmlns:adec="http://schemas.microsoft.com/office/drawing/2017/decorative" val="1"/>
+              </a:ext>
+            </a:extLst>
+          </p:cNvPr>
+          <p:cNvSpPr>
+            <a:spLocks noGrp="1" noRot="1" noChangeAspect="1" noMove="1" noResize="1" noEditPoints="1" noAdjustHandles="1" noChangeArrowheads="1" noChangeShapeType="1" noTextEdit="1"/>
+          </p:cNvSpPr>
+          <p:nvPr>
+            <p:extLst>
+              <p:ext uri="{386F3935-93C4-4BCD-93E2-E3B085C9AB24}">
+                <p16:designElem xmlns:p16="http://schemas.microsoft.com/office/powerpoint/2015/main" val="1"/>
+              </p:ext>
+            </p:extLst>
+          </p:nvPr>
+        </p:nvSpPr>
+        <p:spPr>
+          <a:xfrm>
+            <a:off x="-1" y="0"/>
+            <a:ext cx="12188952" cy="6858000"/>
+          </a:xfrm>
+          <a:prstGeom prst="rect">
+            <a:avLst/>
+          </a:prstGeom>
+          <a:ln>
+            <a:noFill/>
+          </a:ln>
+        </p:spPr>
+        <p:style>
+          <a:lnRef idx="2">
+            <a:schemeClr val="accent1">
+              <a:shade val="50000"/>
+            </a:schemeClr>
+          </a:lnRef>
+          <a:fillRef idx="1">
+            <a:schemeClr val="accent1"/>
+          </a:fillRef>
+          <a:effectRef idx="0">
+            <a:schemeClr val="accent1"/>
+          </a:effectRef>
+          <a:fontRef idx="minor">
+            <a:schemeClr val="lt1"/>
+          </a:fontRef>
+        </p:style>
+        <p:txBody>
+          <a:bodyPr rtlCol="0" anchor="ctr"/>
+          <a:lstStyle/>
+          <a:p>
+            <a:pPr algn="ctr"/>
+            <a:endParaRPr lang="en-US"/>
+          </a:p>
+        </p:txBody>
+      </p:sp>
       <p:sp>
         <p:nvSpPr>
           <p:cNvPr id="2" name="Title 1">
@@ -4663,71 +5084,22 @@
             <p:ph type="title"/>
           </p:nvPr>
         </p:nvSpPr>
-        <p:spPr/>
-        <p:txBody>
-          <a:bodyPr/>
-          <a:lstStyle/>
-          <a:p>
-            <a:r>
-              <a:rPr lang="en-US" dirty="0"/>
-              <a:t>Warm-up (2 mins)</a:t>
-            </a:r>
-          </a:p>
-        </p:txBody>
-      </p:sp>
-      <p:sp>
-        <p:nvSpPr>
-          <p:cNvPr id="3" name="Content Placeholder 2">
-            <a:extLst>
-              <a:ext uri="{FF2B5EF4-FFF2-40B4-BE49-F238E27FC236}">
-                <a16:creationId xmlns:a16="http://schemas.microsoft.com/office/drawing/2014/main" id="{99496B09-3F9C-401D-8B5E-CDB365E52218}"/>
-              </a:ext>
-            </a:extLst>
-          </p:cNvPr>
-          <p:cNvSpPr>
-            <a:spLocks noGrp="1"/>
-          </p:cNvSpPr>
-          <p:nvPr>
-            <p:ph idx="1"/>
-          </p:nvPr>
-        </p:nvSpPr>
-        <p:spPr/>
-        <p:txBody>
-          <a:bodyPr/>
-          <a:lstStyle/>
-          <a:p>
-            <a:r>
-              <a:rPr lang="en-US" dirty="0"/>
-              <a:t>What are the commands, concepts, or skills that were most interesting to you? Why?</a:t>
-            </a:r>
-          </a:p>
-          <a:p>
-            <a:pPr lvl="1"/>
-            <a:r>
-              <a:rPr lang="en-US" dirty="0"/>
-              <a:t>Commands: date, head, </a:t>
-            </a:r>
-            <a:r>
-              <a:rPr lang="en-US" dirty="0" err="1"/>
-              <a:t>pwd</a:t>
-            </a:r>
-            <a:r>
-              <a:rPr lang="en-US" dirty="0"/>
-              <a:t>, ls, cd, find</a:t>
-            </a:r>
-          </a:p>
-          <a:p>
-            <a:pPr lvl="1"/>
-            <a:r>
-              <a:rPr lang="en-US" dirty="0"/>
-              <a:t>Concepts: Paths (abs. vs rel.), root, home, tab-completion</a:t>
-            </a:r>
-          </a:p>
-          <a:p>
-            <a:pPr lvl="1"/>
-            <a:r>
-              <a:rPr lang="en-US" dirty="0"/>
-              <a:t>Skills: Running commands, navigating directory structures</a:t>
+        <p:spPr>
+          <a:xfrm>
+            <a:off x="1196656" y="407963"/>
+            <a:ext cx="9795637" cy="1519311"/>
+          </a:xfrm>
+        </p:spPr>
+        <p:txBody>
+          <a:bodyPr vert="horz" lIns="91440" tIns="45720" rIns="91440" bIns="45720" rtlCol="0" anchor="b">
+            <a:normAutofit/>
+          </a:bodyPr>
+          <a:lstStyle/>
+          <a:p>
+            <a:pPr algn="ctr"/>
+            <a:r>
+              <a:rPr lang="en-US" sz="5200" dirty="0"/>
+              <a:t>How have you seen DNA sequences displayed?</a:t>
             </a:r>
           </a:p>
         </p:txBody>
@@ -4735,7 +5107,7 @@
     </p:spTree>
     <p:extLst>
       <p:ext uri="{BB962C8B-B14F-4D97-AF65-F5344CB8AC3E}">
-        <p14:creationId xmlns:p14="http://schemas.microsoft.com/office/powerpoint/2010/main" val="483535488"/>
+        <p14:creationId xmlns:p14="http://schemas.microsoft.com/office/powerpoint/2010/main" val="224077808"/>
       </p:ext>
     </p:extLst>
   </p:cSld>
@@ -4748,6 +5120,14 @@
 <file path=ppt/slides/slide7.xml><?xml version="1.0" encoding="utf-8"?>
 <p:sld xmlns:a="http://schemas.openxmlformats.org/drawingml/2006/main" xmlns:r="http://schemas.openxmlformats.org/officeDocument/2006/relationships" xmlns:p="http://schemas.openxmlformats.org/presentationml/2006/main">
   <p:cSld>
+    <p:bg>
+      <p:bgPr>
+        <a:solidFill>
+          <a:schemeClr val="bg1"/>
+        </a:solidFill>
+        <a:effectLst/>
+      </p:bgPr>
+    </p:bg>
     <p:spTree>
       <p:nvGrpSpPr>
         <p:cNvPr id="1" name=""/>
@@ -4767,7 +5147,7 @@
           <p:cNvPr id="2" name="Title 1">
             <a:extLst>
               <a:ext uri="{FF2B5EF4-FFF2-40B4-BE49-F238E27FC236}">
-                <a16:creationId xmlns:a16="http://schemas.microsoft.com/office/drawing/2014/main" id="{E4CF6208-78BE-4FF0-8C83-4D398566A472}"/>
+                <a16:creationId xmlns:a16="http://schemas.microsoft.com/office/drawing/2014/main" id="{19C4357E-0E30-484A-A57E-40CFEED5DFE3}"/>
               </a:ext>
             </a:extLst>
           </p:cNvPr>
@@ -4778,91 +5158,128 @@
             <p:ph type="title"/>
           </p:nvPr>
         </p:nvSpPr>
-        <p:spPr/>
-        <p:txBody>
-          <a:bodyPr/>
-          <a:lstStyle/>
-          <a:p>
-            <a:r>
-              <a:rPr lang="en-US" dirty="0"/>
-              <a:t>What are we doing?</a:t>
-            </a:r>
-          </a:p>
-        </p:txBody>
-      </p:sp>
-      <p:sp>
-        <p:nvSpPr>
-          <p:cNvPr id="3" name="Content Placeholder 2">
+        <p:spPr>
+          <a:xfrm>
+            <a:off x="838200" y="0"/>
+            <a:ext cx="10515600" cy="1325563"/>
+          </a:xfrm>
+        </p:spPr>
+        <p:txBody>
+          <a:bodyPr vert="horz" lIns="91440" tIns="45720" rIns="91440" bIns="45720" rtlCol="0" anchor="ctr">
+            <a:normAutofit/>
+          </a:bodyPr>
+          <a:lstStyle/>
+          <a:p>
+            <a:pPr algn="ctr"/>
+            <a:r>
+              <a:rPr lang="en-US" kern="1200" dirty="0">
+                <a:solidFill>
+                  <a:schemeClr val="tx1"/>
+                </a:solidFill>
+                <a:latin typeface="+mj-lt"/>
+                <a:ea typeface="+mj-ea"/>
+                <a:cs typeface="+mj-cs"/>
+              </a:rPr>
+              <a:t>In computational biology we see .</a:t>
+            </a:r>
+            <a:r>
+              <a:rPr lang="en-US" kern="1200" dirty="0" err="1">
+                <a:solidFill>
+                  <a:schemeClr val="tx1"/>
+                </a:solidFill>
+                <a:latin typeface="+mj-lt"/>
+                <a:ea typeface="+mj-ea"/>
+                <a:cs typeface="+mj-cs"/>
+              </a:rPr>
+              <a:t>fq</a:t>
+            </a:r>
+            <a:r>
+              <a:rPr lang="en-US" kern="1200" dirty="0">
+                <a:solidFill>
+                  <a:schemeClr val="tx1"/>
+                </a:solidFill>
+                <a:latin typeface="+mj-lt"/>
+                <a:ea typeface="+mj-ea"/>
+                <a:cs typeface="+mj-cs"/>
+              </a:rPr>
+              <a:t> (</a:t>
+            </a:r>
+            <a:r>
+              <a:rPr lang="en-US" kern="1200" dirty="0" err="1">
+                <a:solidFill>
+                  <a:schemeClr val="tx1"/>
+                </a:solidFill>
+                <a:latin typeface="+mj-lt"/>
+                <a:ea typeface="+mj-ea"/>
+                <a:cs typeface="+mj-cs"/>
+              </a:rPr>
+              <a:t>fastq</a:t>
+            </a:r>
+            <a:r>
+              <a:rPr lang="en-US" kern="1200" dirty="0">
+                <a:solidFill>
+                  <a:schemeClr val="tx1"/>
+                </a:solidFill>
+                <a:latin typeface="+mj-lt"/>
+                <a:ea typeface="+mj-ea"/>
+                <a:cs typeface="+mj-cs"/>
+              </a:rPr>
+              <a:t>)</a:t>
+            </a:r>
+          </a:p>
+        </p:txBody>
+      </p:sp>
+      <p:pic>
+        <p:nvPicPr>
+          <p:cNvPr id="4100" name="Picture 4" descr="A sample of the FASTQ file.  ">
             <a:extLst>
               <a:ext uri="{FF2B5EF4-FFF2-40B4-BE49-F238E27FC236}">
-                <a16:creationId xmlns:a16="http://schemas.microsoft.com/office/drawing/2014/main" id="{158FCDBE-50C2-48F0-8501-AF276996D3C3}"/>
+                <a16:creationId xmlns:a16="http://schemas.microsoft.com/office/drawing/2014/main" id="{0A97F2D7-5F78-4121-AEA6-125137165300}"/>
               </a:ext>
             </a:extLst>
           </p:cNvPr>
-          <p:cNvSpPr>
-            <a:spLocks noGrp="1"/>
-          </p:cNvSpPr>
-          <p:nvPr>
-            <p:ph idx="1"/>
-          </p:nvPr>
-        </p:nvSpPr>
-        <p:spPr/>
-        <p:txBody>
-          <a:bodyPr/>
-          <a:lstStyle/>
-          <a:p>
-            <a:pPr>
-              <a:lnSpc>
-                <a:spcPct val="150000"/>
-              </a:lnSpc>
-            </a:pPr>
-            <a:r>
-              <a:rPr lang="en-US" dirty="0"/>
-              <a:t>We are going to work together side by side</a:t>
-            </a:r>
-          </a:p>
-          <a:p>
-            <a:pPr>
-              <a:lnSpc>
-                <a:spcPct val="150000"/>
-              </a:lnSpc>
-            </a:pPr>
-            <a:r>
-              <a:rPr lang="en-US" dirty="0"/>
-              <a:t>Launch this: </a:t>
-            </a:r>
-            <a:r>
-              <a:rPr lang="en-US" dirty="0">
-                <a:hlinkClick r:id="rId2"/>
-              </a:rPr>
-              <a:t>https://mybinder.org/v2/gh/AstrobioMike/binder-unix-intro/master?urlpath=lab</a:t>
-            </a:r>
-            <a:endParaRPr lang="en-US" dirty="0"/>
-          </a:p>
-          <a:p>
-            <a:pPr>
-              <a:lnSpc>
-                <a:spcPct val="150000"/>
-              </a:lnSpc>
-            </a:pPr>
-            <a:r>
-              <a:rPr lang="en-US" dirty="0"/>
-              <a:t>Open this: </a:t>
-            </a:r>
-            <a:r>
-              <a:rPr lang="en-US" dirty="0">
-                <a:hlinkClick r:id="rId3"/>
-              </a:rPr>
-              <a:t>https://astrobiomike.github.io/unix/working-with-files-and-dirs</a:t>
-            </a:r>
-            <a:endParaRPr lang="en-US" dirty="0"/>
-          </a:p>
-        </p:txBody>
-      </p:sp>
+          <p:cNvPicPr>
+            <a:picLocks noChangeAspect="1" noChangeArrowheads="1"/>
+          </p:cNvPicPr>
+          <p:nvPr/>
+        </p:nvPicPr>
+        <p:blipFill>
+          <a:blip r:embed="rId2">
+            <a:extLst>
+              <a:ext uri="{28A0092B-C50C-407E-A947-70E740481C1C}">
+                <a14:useLocalDpi xmlns:a14="http://schemas.microsoft.com/office/drawing/2010/main" val="0"/>
+              </a:ext>
+            </a:extLst>
+          </a:blip>
+          <a:srcRect/>
+          <a:stretch>
+            <a:fillRect/>
+          </a:stretch>
+        </p:blipFill>
+        <p:spPr bwMode="auto">
+          <a:xfrm>
+            <a:off x="996461" y="2127118"/>
+            <a:ext cx="10199077" cy="2603764"/>
+          </a:xfrm>
+          <a:prstGeom prst="rect">
+            <a:avLst/>
+          </a:prstGeom>
+          <a:noFill/>
+          <a:extLst>
+            <a:ext uri="{909E8E84-426E-40DD-AFC4-6F175D3DCCD1}">
+              <a14:hiddenFill xmlns:a14="http://schemas.microsoft.com/office/drawing/2010/main">
+                <a:solidFill>
+                  <a:srgbClr val="FFFFFF"/>
+                </a:solidFill>
+              </a14:hiddenFill>
+            </a:ext>
+          </a:extLst>
+        </p:spPr>
+      </p:pic>
     </p:spTree>
     <p:extLst>
       <p:ext uri="{BB962C8B-B14F-4D97-AF65-F5344CB8AC3E}">
-        <p14:creationId xmlns:p14="http://schemas.microsoft.com/office/powerpoint/2010/main" val="3712642143"/>
+        <p14:creationId xmlns:p14="http://schemas.microsoft.com/office/powerpoint/2010/main" val="1383901643"/>
       </p:ext>
     </p:extLst>
   </p:cSld>
@@ -4894,7 +5311,7 @@
           <p:cNvPr id="2" name="Title 1">
             <a:extLst>
               <a:ext uri="{FF2B5EF4-FFF2-40B4-BE49-F238E27FC236}">
-                <a16:creationId xmlns:a16="http://schemas.microsoft.com/office/drawing/2014/main" id="{16E00F25-D033-4227-8EC4-9636F1A4E05D}"/>
+                <a16:creationId xmlns:a16="http://schemas.microsoft.com/office/drawing/2014/main" id="{19C4357E-0E30-484A-A57E-40CFEED5DFE3}"/>
               </a:ext>
             </a:extLst>
           </p:cNvPr>
@@ -4905,56 +5322,83 @@
             <p:ph type="title"/>
           </p:nvPr>
         </p:nvSpPr>
-        <p:spPr/>
-        <p:txBody>
-          <a:bodyPr/>
-          <a:lstStyle/>
-          <a:p>
+        <p:spPr>
+          <a:xfrm>
+            <a:off x="838200" y="154744"/>
+            <a:ext cx="10515600" cy="776288"/>
+          </a:xfrm>
+        </p:spPr>
+        <p:txBody>
+          <a:bodyPr/>
+          <a:lstStyle/>
+          <a:p>
+            <a:pPr algn="ctr"/>
             <a:r>
               <a:rPr lang="en-US" dirty="0"/>
-              <a:t>Reflection</a:t>
-            </a:r>
-          </a:p>
-        </p:txBody>
-      </p:sp>
-      <p:sp>
-        <p:nvSpPr>
-          <p:cNvPr id="3" name="Content Placeholder 2">
+              <a:t>In computational biology we see .fa (</a:t>
+            </a:r>
+            <a:r>
+              <a:rPr lang="en-US" dirty="0" err="1"/>
+              <a:t>fasta</a:t>
+            </a:r>
+            <a:r>
+              <a:rPr lang="en-US" dirty="0"/>
+              <a:t>)</a:t>
+            </a:r>
+          </a:p>
+        </p:txBody>
+      </p:sp>
+      <p:pic>
+        <p:nvPicPr>
+          <p:cNvPr id="3076" name="Picture 4" descr="A sample of the Multi-FASTA file.  ">
             <a:extLst>
               <a:ext uri="{FF2B5EF4-FFF2-40B4-BE49-F238E27FC236}">
-                <a16:creationId xmlns:a16="http://schemas.microsoft.com/office/drawing/2014/main" id="{0D701621-9BDE-44E0-9F2E-B3219A57FC22}"/>
+                <a16:creationId xmlns:a16="http://schemas.microsoft.com/office/drawing/2014/main" id="{CB1225B9-4C41-41C9-8B87-B32B6108766E}"/>
               </a:ext>
             </a:extLst>
           </p:cNvPr>
-          <p:cNvSpPr>
-            <a:spLocks noGrp="1"/>
-          </p:cNvSpPr>
-          <p:nvPr>
-            <p:ph idx="1"/>
-          </p:nvPr>
-        </p:nvSpPr>
-        <p:spPr/>
-        <p:txBody>
-          <a:bodyPr/>
-          <a:lstStyle/>
-          <a:p>
-            <a:r>
-              <a:rPr lang="en-US" dirty="0"/>
-              <a:t>What was the easiest concept today? Why?</a:t>
-            </a:r>
-          </a:p>
-          <a:p>
-            <a:r>
-              <a:rPr lang="en-US" dirty="0"/>
-              <a:t>What was the most difficult? Why?</a:t>
-            </a:r>
-          </a:p>
-        </p:txBody>
-      </p:sp>
+          <p:cNvPicPr>
+            <a:picLocks noChangeAspect="1" noChangeArrowheads="1"/>
+          </p:cNvPicPr>
+          <p:nvPr/>
+        </p:nvPicPr>
+        <p:blipFill>
+          <a:blip r:embed="rId2">
+            <a:extLst>
+              <a:ext uri="{28A0092B-C50C-407E-A947-70E740481C1C}">
+                <a14:useLocalDpi xmlns:a14="http://schemas.microsoft.com/office/drawing/2010/main" val="0"/>
+              </a:ext>
+            </a:extLst>
+          </a:blip>
+          <a:srcRect/>
+          <a:stretch>
+            <a:fillRect/>
+          </a:stretch>
+        </p:blipFill>
+        <p:spPr bwMode="auto">
+          <a:xfrm>
+            <a:off x="838200" y="1947716"/>
+            <a:ext cx="10543134" cy="3088518"/>
+          </a:xfrm>
+          <a:prstGeom prst="rect">
+            <a:avLst/>
+          </a:prstGeom>
+          <a:noFill/>
+          <a:extLst>
+            <a:ext uri="{909E8E84-426E-40DD-AFC4-6F175D3DCCD1}">
+              <a14:hiddenFill xmlns:a14="http://schemas.microsoft.com/office/drawing/2010/main">
+                <a:solidFill>
+                  <a:srgbClr val="FFFFFF"/>
+                </a:solidFill>
+              </a14:hiddenFill>
+            </a:ext>
+          </a:extLst>
+        </p:spPr>
+      </p:pic>
     </p:spTree>
     <p:extLst>
       <p:ext uri="{BB962C8B-B14F-4D97-AF65-F5344CB8AC3E}">
-        <p14:creationId xmlns:p14="http://schemas.microsoft.com/office/powerpoint/2010/main" val="2355160211"/>
+        <p14:creationId xmlns:p14="http://schemas.microsoft.com/office/powerpoint/2010/main" val="4221673176"/>
       </p:ext>
     </p:extLst>
   </p:cSld>
@@ -4986,7 +5430,7 @@
           <p:cNvPr id="2" name="Title 1">
             <a:extLst>
               <a:ext uri="{FF2B5EF4-FFF2-40B4-BE49-F238E27FC236}">
-                <a16:creationId xmlns:a16="http://schemas.microsoft.com/office/drawing/2014/main" id="{16E00F25-D033-4227-8EC4-9636F1A4E05D}"/>
+                <a16:creationId xmlns:a16="http://schemas.microsoft.com/office/drawing/2014/main" id="{19C4357E-0E30-484A-A57E-40CFEED5DFE3}"/>
               </a:ext>
             </a:extLst>
           </p:cNvPr>
@@ -5004,7 +5448,7 @@
           <a:p>
             <a:r>
               <a:rPr lang="en-US" dirty="0"/>
-              <a:t>To do</a:t>
+              <a:t>Warm-up (5 mins)</a:t>
             </a:r>
           </a:p>
         </p:txBody>
@@ -5014,7 +5458,7 @@
           <p:cNvPr id="3" name="Content Placeholder 2">
             <a:extLst>
               <a:ext uri="{FF2B5EF4-FFF2-40B4-BE49-F238E27FC236}">
-                <a16:creationId xmlns:a16="http://schemas.microsoft.com/office/drawing/2014/main" id="{0D701621-9BDE-44E0-9F2E-B3219A57FC22}"/>
+                <a16:creationId xmlns:a16="http://schemas.microsoft.com/office/drawing/2014/main" id="{99496B09-3F9C-401D-8B5E-CDB365E52218}"/>
               </a:ext>
             </a:extLst>
           </p:cNvPr>
@@ -5032,7 +5476,36 @@
           <a:p>
             <a:r>
               <a:rPr lang="en-US" dirty="0"/>
-              <a:t>Do we want to go into Genome Assembly or work with R?</a:t>
+              <a:t>What are the commands, concepts, or skills that were most interesting to you? Why?</a:t>
+            </a:r>
+          </a:p>
+          <a:p>
+            <a:pPr lvl="1"/>
+            <a:r>
+              <a:rPr lang="en-US" dirty="0"/>
+              <a:t>Commands: date, head, </a:t>
+            </a:r>
+            <a:r>
+              <a:rPr lang="en-US" dirty="0" err="1"/>
+              <a:t>pwd</a:t>
+            </a:r>
+            <a:r>
+              <a:rPr lang="en-US" dirty="0"/>
+              <a:t>, ls, cd, find</a:t>
+            </a:r>
+          </a:p>
+          <a:p>
+            <a:pPr lvl="1"/>
+            <a:r>
+              <a:rPr lang="en-US" dirty="0"/>
+              <a:t>Concepts: Paths (abs. vs rel.), root, home, tab-completion</a:t>
+            </a:r>
+          </a:p>
+          <a:p>
+            <a:pPr lvl="1"/>
+            <a:r>
+              <a:rPr lang="en-US" dirty="0"/>
+              <a:t>Skills: Running commands, navigating directory structures</a:t>
             </a:r>
           </a:p>
         </p:txBody>
@@ -5040,7 +5513,7 @@
     </p:spTree>
     <p:extLst>
       <p:ext uri="{BB962C8B-B14F-4D97-AF65-F5344CB8AC3E}">
-        <p14:creationId xmlns:p14="http://schemas.microsoft.com/office/powerpoint/2010/main" val="1431333372"/>
+        <p14:creationId xmlns:p14="http://schemas.microsoft.com/office/powerpoint/2010/main" val="483535488"/>
       </p:ext>
     </p:extLst>
   </p:cSld>

--- a/resources/coding/coding_necessities_2.pptx
+++ b/resources/coding/coding_necessities_2.pptx
@@ -523,7 +523,13 @@
           <a:p>
             <a:r>
               <a:rPr lang="en-US" dirty="0"/>
-              <a:t>Command and argument, </a:t>
+              <a:t>Easiest: moving and changing directories, </a:t>
+            </a:r>
+          </a:p>
+          <a:p>
+            <a:r>
+              <a:rPr lang="en-US" dirty="0"/>
+              <a:t>Difficult: Altering text using nano, exiting different programs, </a:t>
             </a:r>
           </a:p>
         </p:txBody>
